--- a/Writing/Proposal/Automatic Ranking of Classification Algorithms v3.pptx
+++ b/Writing/Proposal/Automatic Ranking of Classification Algorithms v3.pptx
@@ -114,7 +114,16 @@
       </a:defRPr>
     </a:lvl9pPr>
   </p:defaultTextStyle>
+  <p:extLst>
+    <p:ext uri="{EFAFB233-063F-42B5-8137-9DF3F51BA10A}">
+      <p15:sldGuideLst xmlns:p15="http://schemas.microsoft.com/office/powerpoint/2012/main"/>
+    </p:ext>
+  </p:extLst>
 </p:presentation>
+</file>
+
+<file path=ppt/revisionInfo.xml><?xml version="1.0" encoding="utf-8"?>
+<p1510:revInfo xmlns:a="http://schemas.openxmlformats.org/drawingml/2006/main" xmlns:r="http://schemas.openxmlformats.org/officeDocument/2006/relationships" xmlns:p1510="http://schemas.microsoft.com/office/powerpoint/2015/10/main"/>
 </file>
 
 <file path=ppt/notesMasters/notesMaster1.xml><?xml version="1.0" encoding="utf-8"?>
@@ -199,7 +208,7 @@
           <a:p>
             <a:fld id="{D2A05C89-226B-437C-B4DD-690A0AE4FEF6}" type="datetimeFigureOut">
               <a:rPr lang="de-DE" smtClean="0"/>
-              <a:t>15.11.2017</a:t>
+              <a:t>16.11.2017</a:t>
             </a:fld>
             <a:endParaRPr lang="de-DE"/>
           </a:p>
@@ -699,7 +708,7 @@
           <a:p>
             <a:fld id="{E3896107-16E4-48A2-9338-C8C796D210FC}" type="datetime1">
               <a:rPr lang="de-DE" smtClean="0"/>
-              <a:t>15.11.2017</a:t>
+              <a:t>16.11.2017</a:t>
             </a:fld>
             <a:endParaRPr lang="de-DE"/>
           </a:p>
@@ -963,7 +972,7 @@
           <a:p>
             <a:fld id="{749F6CB3-2A38-4124-AD6D-2F26BAF29456}" type="datetime1">
               <a:rPr lang="de-DE" smtClean="0"/>
-              <a:t>15.11.2017</a:t>
+              <a:t>16.11.2017</a:t>
             </a:fld>
             <a:endParaRPr lang="de-DE"/>
           </a:p>
@@ -1231,7 +1240,7 @@
           <a:p>
             <a:fld id="{279F364C-2A21-4F8A-8341-2EBF37C8E556}" type="datetime1">
               <a:rPr lang="de-DE" smtClean="0"/>
-              <a:t>15.11.2017</a:t>
+              <a:t>16.11.2017</a:t>
             </a:fld>
             <a:endParaRPr lang="de-DE"/>
           </a:p>
@@ -1417,7 +1426,7 @@
           <a:p>
             <a:fld id="{F690B4CD-80E8-4FB4-A3A7-121E2351FD66}" type="datetime1">
               <a:rPr lang="de-DE" smtClean="0"/>
-              <a:t>15.11.2017</a:t>
+              <a:t>16.11.2017</a:t>
             </a:fld>
             <a:endParaRPr lang="de-DE"/>
           </a:p>
@@ -1772,7 +1781,7 @@
           <a:p>
             <a:fld id="{2683AC94-3F98-446C-B529-4C0E8D427AFB}" type="datetime1">
               <a:rPr lang="de-DE" smtClean="0"/>
-              <a:t>15.11.2017</a:t>
+              <a:t>16.11.2017</a:t>
             </a:fld>
             <a:endParaRPr lang="de-DE"/>
           </a:p>
@@ -2059,7 +2068,7 @@
           <a:p>
             <a:fld id="{F8C88286-ACA6-47E2-89C5-1E35DE10049A}" type="datetime1">
               <a:rPr lang="de-DE" smtClean="0"/>
-              <a:t>15.11.2017</a:t>
+              <a:t>16.11.2017</a:t>
             </a:fld>
             <a:endParaRPr lang="de-DE"/>
           </a:p>
@@ -2450,7 +2459,7 @@
           <a:p>
             <a:fld id="{99AEF3AB-6DCD-4C84-A475-6032EFEE34A6}" type="datetime1">
               <a:rPr lang="de-DE" smtClean="0"/>
-              <a:t>15.11.2017</a:t>
+              <a:t>16.11.2017</a:t>
             </a:fld>
             <a:endParaRPr lang="de-DE"/>
           </a:p>
@@ -2580,7 +2589,7 @@
           <a:p>
             <a:fld id="{2B317892-D20C-44E8-B41D-5716820E3C6C}" type="datetime1">
               <a:rPr lang="de-DE" smtClean="0"/>
-              <a:t>15.11.2017</a:t>
+              <a:t>16.11.2017</a:t>
             </a:fld>
             <a:endParaRPr lang="de-DE"/>
           </a:p>
@@ -2763,7 +2772,7 @@
           <a:p>
             <a:fld id="{7F0D8CD5-1A7A-4E97-92F2-257DCDB5B399}" type="datetime1">
               <a:rPr lang="de-DE" smtClean="0"/>
-              <a:t>15.11.2017</a:t>
+              <a:t>16.11.2017</a:t>
             </a:fld>
             <a:endParaRPr lang="de-DE"/>
           </a:p>
@@ -3129,7 +3138,7 @@
           <a:p>
             <a:fld id="{93EEE085-8859-48CE-97F1-F424BA8093BD}" type="datetime1">
               <a:rPr lang="de-DE" smtClean="0"/>
-              <a:t>15.11.2017</a:t>
+              <a:t>16.11.2017</a:t>
             </a:fld>
             <a:endParaRPr lang="de-DE"/>
           </a:p>
@@ -3518,7 +3527,7 @@
           <a:p>
             <a:fld id="{1B7C8AB9-9231-40BB-BB09-30CF1699CFB7}" type="datetime1">
               <a:rPr lang="de-DE" smtClean="0"/>
-              <a:t>15.11.2017</a:t>
+              <a:t>16.11.2017</a:t>
             </a:fld>
             <a:endParaRPr lang="de-DE"/>
           </a:p>
@@ -3817,7 +3826,7 @@
           <a:p>
             <a:fld id="{670ABA9F-9963-486E-8BC1-21155C3B620B}" type="datetime1">
               <a:rPr lang="de-DE" smtClean="0"/>
-              <a:t>15.11.2017</a:t>
+              <a:t>16.11.2017</a:t>
             </a:fld>
             <a:endParaRPr lang="de-DE" dirty="0"/>
           </a:p>
@@ -4600,7 +4609,7 @@
             </a:r>
             <a:r>
               <a:rPr lang="en-GB" dirty="0"/>
-              <a:t>: assume expected accuracy based on classifier accuracy on datasets with similar properties</a:t>
+              <a:t>: try to generalize expected accuracy based on classifier accuracy on datasets with similar properties</a:t>
             </a:r>
           </a:p>
         </p:txBody>
@@ -4626,11 +4635,10 @@
           <a:bodyPr/>
           <a:lstStyle/>
           <a:p>
-            <a:fld id="{A3343ACB-9F74-4A75-875B-C9C12CDA1D71}" type="datetime1">
-              <a:rPr lang="en-GB" smtClean="0"/>
-              <a:t>16/11/2017</a:t>
-            </a:fld>
-            <a:endParaRPr lang="en-GB"/>
+            <a:r>
+              <a:rPr lang="en-GB" dirty="0"/>
+              <a:t>17.11.2017</a:t>
+            </a:r>
           </a:p>
         </p:txBody>
       </p:sp>
@@ -5025,15 +5033,7 @@
             </a:pPr>
             <a:r>
               <a:rPr lang="en-GB" dirty="0"/>
-              <a:t>Implement &amp; evaluate </a:t>
-            </a:r>
-            <a:r>
-              <a:rPr lang="en-GB" dirty="0" err="1"/>
-              <a:t>heuristik</a:t>
-            </a:r>
-            <a:r>
-              <a:rPr lang="en-GB" dirty="0"/>
-              <a:t> for finding a ranking of classifiers</a:t>
+              <a:t>Implement &amp; evaluate heuristic for finding a ranking of classifiers</a:t>
             </a:r>
           </a:p>
           <a:p>
@@ -5076,7 +5076,7 @@
             </a:pPr>
             <a:r>
               <a:rPr lang="en-GB" dirty="0"/>
-              <a:t>Fit regression model to each classifier &amp; preference model to accuracy data to predict accuracy, based on </a:t>
+              <a:t>Fit two models based on </a:t>
             </a:r>
             <a:r>
               <a:rPr lang="en-GB" u="sng" dirty="0"/>
@@ -5084,7 +5084,35 @@
             </a:r>
             <a:r>
               <a:rPr lang="en-GB" dirty="0"/>
-              <a:t> of data</a:t>
+              <a:t> of data:</a:t>
+            </a:r>
+          </a:p>
+          <a:p>
+            <a:pPr lvl="2">
+              <a:buFont typeface="Arial" panose="020B0604020202020204" pitchFamily="34" charset="0"/>
+              <a:buChar char="•"/>
+            </a:pPr>
+            <a:r>
+              <a:rPr lang="en-GB" dirty="0"/>
+              <a:t>Regression model for absolute accuracy of </a:t>
+            </a:r>
+            <a:r>
+              <a:rPr lang="en-GB" u="sng" dirty="0"/>
+              <a:t>each</a:t>
+            </a:r>
+            <a:r>
+              <a:rPr lang="en-GB" dirty="0"/>
+              <a:t> classifier</a:t>
+            </a:r>
+          </a:p>
+          <a:p>
+            <a:pPr lvl="2">
+              <a:buFont typeface="Arial" panose="020B0604020202020204" pitchFamily="34" charset="0"/>
+              <a:buChar char="•"/>
+            </a:pPr>
+            <a:r>
+              <a:rPr lang="en-GB" dirty="0"/>
+              <a:t>Preference model for the ranking of classifiers with respect to accuracy</a:t>
             </a:r>
           </a:p>
           <a:p>
@@ -5098,25 +5126,8 @@
             </a:r>
             <a:r>
               <a:rPr lang="en-GB" dirty="0"/>
-              <a:t> phase:</a:t>
-            </a:r>
-          </a:p>
-          <a:p>
-            <a:pPr lvl="1">
-              <a:buFont typeface="Arial" panose="020B0604020202020204" pitchFamily="34" charset="0"/>
-              <a:buChar char="•"/>
-            </a:pPr>
-            <a:r>
-              <a:rPr lang="en-GB" dirty="0"/>
-              <a:t>According to flag, either use regression-based ranking or preference models to return ranking for given dataset</a:t>
-            </a:r>
-          </a:p>
-          <a:p>
-            <a:pPr>
-              <a:buFont typeface="Arial" panose="020B0604020202020204" pitchFamily="34" charset="0"/>
-              <a:buChar char="•"/>
-            </a:pPr>
-            <a:endParaRPr lang="en-GB" dirty="0"/>
+              <a:t> phase: Return ranking based on either of the two models</a:t>
+            </a:r>
           </a:p>
         </p:txBody>
       </p:sp>
@@ -5224,11 +5235,10 @@
           <a:bodyPr/>
           <a:lstStyle/>
           <a:p>
-            <a:fld id="{F690B4CD-80E8-4FB4-A3A7-121E2351FD66}" type="datetime1">
-              <a:rPr lang="en-GB" smtClean="0"/>
-              <a:t>16/11/2017</a:t>
-            </a:fld>
-            <a:endParaRPr lang="en-GB"/>
+            <a:r>
+              <a:rPr lang="en-GB" dirty="0"/>
+              <a:t>17.11.2017</a:t>
+            </a:r>
           </a:p>
         </p:txBody>
       </p:sp>
@@ -5617,15 +5627,33 @@
                                   </p:childTnLst>
                                 </p:cTn>
                               </p:par>
+                            </p:childTnLst>
+                          </p:cTn>
+                        </p:par>
+                      </p:childTnLst>
+                    </p:cTn>
+                  </p:par>
+                  <p:par>
+                    <p:cTn id="25" fill="hold">
+                      <p:stCondLst>
+                        <p:cond delay="indefinite"/>
+                      </p:stCondLst>
+                      <p:childTnLst>
+                        <p:par>
+                          <p:cTn id="26" fill="hold">
+                            <p:stCondLst>
+                              <p:cond delay="0"/>
+                            </p:stCondLst>
+                            <p:childTnLst>
                               <p:par>
-                                <p:cTn id="25" presetID="1" presetClass="entr" presetSubtype="0" fill="hold" grpId="0" nodeType="withEffect">
+                                <p:cTn id="27" presetID="1" presetClass="entr" presetSubtype="0" fill="hold" grpId="0" nodeType="clickEffect">
                                   <p:stCondLst>
                                     <p:cond delay="0"/>
                                   </p:stCondLst>
                                   <p:childTnLst>
                                     <p:set>
                                       <p:cBhvr>
-                                        <p:cTn id="26" dur="1" fill="hold">
+                                        <p:cTn id="28" dur="1" fill="hold">
                                           <p:stCondLst>
                                             <p:cond delay="0"/>
                                           </p:stCondLst>
@@ -5648,26 +5676,8 @@
                                   </p:childTnLst>
                                 </p:cTn>
                               </p:par>
-                            </p:childTnLst>
-                          </p:cTn>
-                        </p:par>
-                      </p:childTnLst>
-                    </p:cTn>
-                  </p:par>
-                  <p:par>
-                    <p:cTn id="27" fill="hold">
-                      <p:stCondLst>
-                        <p:cond delay="indefinite"/>
-                      </p:stCondLst>
-                      <p:childTnLst>
-                        <p:par>
-                          <p:cTn id="28" fill="hold">
-                            <p:stCondLst>
-                              <p:cond delay="0"/>
-                            </p:stCondLst>
-                            <p:childTnLst>
                               <p:par>
-                                <p:cTn id="29" presetID="1" presetClass="entr" presetSubtype="0" fill="hold" grpId="0" nodeType="clickEffect">
+                                <p:cTn id="29" presetID="1" presetClass="entr" presetSubtype="0" fill="hold" grpId="0" nodeType="withEffect">
                                   <p:stCondLst>
                                     <p:cond delay="0"/>
                                   </p:stCondLst>
@@ -5714,6 +5724,55 @@
                                           <p:spTgt spid="3">
                                             <p:txEl>
                                               <p:pRg st="6" end="6"/>
+                                            </p:txEl>
+                                          </p:spTgt>
+                                        </p:tgtEl>
+                                        <p:attrNameLst>
+                                          <p:attrName>style.visibility</p:attrName>
+                                        </p:attrNameLst>
+                                      </p:cBhvr>
+                                      <p:to>
+                                        <p:strVal val="visible"/>
+                                      </p:to>
+                                    </p:set>
+                                  </p:childTnLst>
+                                </p:cTn>
+                              </p:par>
+                            </p:childTnLst>
+                          </p:cTn>
+                        </p:par>
+                      </p:childTnLst>
+                    </p:cTn>
+                  </p:par>
+                  <p:par>
+                    <p:cTn id="33" fill="hold">
+                      <p:stCondLst>
+                        <p:cond delay="indefinite"/>
+                      </p:stCondLst>
+                      <p:childTnLst>
+                        <p:par>
+                          <p:cTn id="34" fill="hold">
+                            <p:stCondLst>
+                              <p:cond delay="0"/>
+                            </p:stCondLst>
+                            <p:childTnLst>
+                              <p:par>
+                                <p:cTn id="35" presetID="1" presetClass="entr" presetSubtype="0" fill="hold" grpId="0" nodeType="clickEffect">
+                                  <p:stCondLst>
+                                    <p:cond delay="0"/>
+                                  </p:stCondLst>
+                                  <p:childTnLst>
+                                    <p:set>
+                                      <p:cBhvr>
+                                        <p:cTn id="36" dur="1" fill="hold">
+                                          <p:stCondLst>
+                                            <p:cond delay="0"/>
+                                          </p:stCondLst>
+                                        </p:cTn>
+                                        <p:tgtEl>
+                                          <p:spTgt spid="3">
+                                            <p:txEl>
+                                              <p:pRg st="7" end="7"/>
                                             </p:txEl>
                                           </p:spTgt>
                                         </p:tgtEl>
@@ -5863,7 +5922,7 @@
             </a:pPr>
             <a:r>
               <a:rPr lang="en-GB" dirty="0"/>
-              <a:t>Choose Static Regression Algorithm, train for each classifier</a:t>
+              <a:t>Choose preliminary regression algorithm, train for each classifier</a:t>
             </a:r>
           </a:p>
           <a:p>
@@ -5873,7 +5932,7 @@
             </a:pPr>
             <a:r>
               <a:rPr lang="en-GB" dirty="0"/>
-              <a:t>Choose Static Ranking Algorithm, train on matrix</a:t>
+              <a:t>Choose preliminary ranking algorithm, train on matrix</a:t>
             </a:r>
           </a:p>
           <a:p>
@@ -5909,11 +5968,10 @@
           <a:bodyPr/>
           <a:lstStyle/>
           <a:p>
-            <a:fld id="{F690B4CD-80E8-4FB4-A3A7-121E2351FD66}" type="datetime1">
-              <a:rPr lang="en-GB" smtClean="0"/>
-              <a:t>15.11.2017</a:t>
-            </a:fld>
-            <a:endParaRPr lang="en-GB"/>
+            <a:r>
+              <a:rPr lang="en-GB" dirty="0"/>
+              <a:t>17.11.2017</a:t>
+            </a:r>
           </a:p>
         </p:txBody>
       </p:sp>
@@ -6917,7 +6975,7 @@
             </a:r>
             <a:r>
               <a:rPr lang="en-GB" dirty="0"/>
-              <a:t> Static Regression Algorithm</a:t>
+              <a:t> preliminary regression algorithm</a:t>
             </a:r>
           </a:p>
           <a:p>
@@ -6951,7 +7009,7 @@
             </a:r>
             <a:r>
               <a:rPr lang="en-GB" dirty="0"/>
-              <a:t> Static Ranking Algorithm</a:t>
+              <a:t> preliminary ranking algorithm</a:t>
             </a:r>
           </a:p>
           <a:p>
@@ -6961,7 +7019,15 @@
             </a:pPr>
             <a:r>
               <a:rPr lang="en-GB" dirty="0"/>
-              <a:t>Implement different algorithms</a:t>
+              <a:t>Choose from ISG-</a:t>
+            </a:r>
+            <a:r>
+              <a:rPr lang="en-GB" dirty="0" err="1"/>
+              <a:t>jpl</a:t>
+            </a:r>
+            <a:r>
+              <a:rPr lang="en-GB" dirty="0"/>
+              <a:t> framework</a:t>
             </a:r>
           </a:p>
           <a:p>
@@ -6971,7 +7037,7 @@
             </a:pPr>
             <a:r>
               <a:rPr lang="en-GB" dirty="0"/>
-              <a:t>Evaluate performance and choose winner</a:t>
+              <a:t>Optimize with ML-Plan</a:t>
             </a:r>
           </a:p>
           <a:p>
@@ -6979,10 +7045,7 @@
               <a:buFont typeface="Arial" panose="020B0604020202020204" pitchFamily="34" charset="0"/>
               <a:buChar char="•"/>
             </a:pPr>
-            <a:r>
-              <a:rPr lang="en-GB" dirty="0"/>
-              <a:t>Still static </a:t>
-            </a:r>
+            <a:endParaRPr lang="en-GB" dirty="0"/>
           </a:p>
         </p:txBody>
       </p:sp>
@@ -7007,11 +7070,10 @@
           <a:bodyPr/>
           <a:lstStyle/>
           <a:p>
-            <a:fld id="{F690B4CD-80E8-4FB4-A3A7-121E2351FD66}" type="datetime1">
-              <a:rPr lang="de-DE" smtClean="0"/>
-              <a:t>15.11.2017</a:t>
-            </a:fld>
-            <a:endParaRPr lang="de-DE"/>
+            <a:r>
+              <a:rPr lang="de-DE" dirty="0"/>
+              <a:t>17.11.2017</a:t>
+            </a:r>
           </a:p>
         </p:txBody>
       </p:sp>
@@ -7307,37 +7369,6 @@
                                   </p:childTnLst>
                                 </p:cTn>
                               </p:par>
-                              <p:par>
-                                <p:cTn id="19" presetID="1" presetClass="entr" presetSubtype="0" fill="hold" grpId="0" nodeType="withEffect">
-                                  <p:stCondLst>
-                                    <p:cond delay="0"/>
-                                  </p:stCondLst>
-                                  <p:childTnLst>
-                                    <p:set>
-                                      <p:cBhvr>
-                                        <p:cTn id="20" dur="1" fill="hold">
-                                          <p:stCondLst>
-                                            <p:cond delay="0"/>
-                                          </p:stCondLst>
-                                        </p:cTn>
-                                        <p:tgtEl>
-                                          <p:spTgt spid="3">
-                                            <p:txEl>
-                                              <p:pRg st="6" end="6"/>
-                                            </p:txEl>
-                                          </p:spTgt>
-                                        </p:tgtEl>
-                                        <p:attrNameLst>
-                                          <p:attrName>style.visibility</p:attrName>
-                                        </p:attrNameLst>
-                                      </p:cBhvr>
-                                      <p:to>
-                                        <p:strVal val="visible"/>
-                                      </p:to>
-                                    </p:set>
-                                  </p:childTnLst>
-                                </p:cTn>
-                              </p:par>
                             </p:childTnLst>
                           </p:cTn>
                         </p:par>
@@ -7518,11 +7549,10 @@
           <a:bodyPr/>
           <a:lstStyle/>
           <a:p>
-            <a:fld id="{F690B4CD-80E8-4FB4-A3A7-121E2351FD66}" type="datetime1">
-              <a:rPr lang="en-GB" smtClean="0"/>
-              <a:t>16/11/2017</a:t>
-            </a:fld>
-            <a:endParaRPr lang="en-GB"/>
+            <a:r>
+              <a:rPr lang="en-GB" dirty="0"/>
+              <a:t>17.11.2017</a:t>
+            </a:r>
           </a:p>
         </p:txBody>
       </p:sp>
@@ -7912,11 +7942,10 @@
           <a:bodyPr/>
           <a:lstStyle/>
           <a:p>
-            <a:fld id="{F690B4CD-80E8-4FB4-A3A7-121E2351FD66}" type="datetime1">
-              <a:rPr lang="de-DE" smtClean="0"/>
-              <a:t>15.11.2017</a:t>
-            </a:fld>
-            <a:endParaRPr lang="de-DE"/>
+            <a:r>
+              <a:rPr lang="de-DE" dirty="0"/>
+              <a:t>17.11.2017</a:t>
+            </a:r>
           </a:p>
         </p:txBody>
       </p:sp>
@@ -8151,11 +8180,10 @@
           <a:bodyPr/>
           <a:lstStyle/>
           <a:p>
-            <a:fld id="{2683AC94-3F98-446C-B529-4C0E8D427AFB}" type="datetime1">
-              <a:rPr lang="de-DE" smtClean="0"/>
-              <a:t>15.11.2017</a:t>
-            </a:fld>
-            <a:endParaRPr lang="de-DE"/>
+            <a:r>
+              <a:rPr lang="de-DE" dirty="0"/>
+              <a:t>17.11.2017</a:t>
+            </a:r>
           </a:p>
         </p:txBody>
       </p:sp>
